--- a/docs/Thermal_Warming_presentation_draft1.pptx
+++ b/docs/Thermal_Warming_presentation_draft1.pptx
@@ -519,7 +519,7 @@
           <a:p>
             <a:fld id="{B1C96317-C71C-4C07-AACE-1050673E5ABF}" type="datetimeFigureOut">
               <a:rPr lang="en-US" smtClean="0"/>
-              <a:t>1/12/2019</a:t>
+              <a:t>1/13/2019</a:t>
             </a:fld>
             <a:endParaRPr lang="en-US"/>
           </a:p>
@@ -698,7 +698,7 @@
           <a:p>
             <a:fld id="{B1C96317-C71C-4C07-AACE-1050673E5ABF}" type="datetimeFigureOut">
               <a:rPr lang="en-US" smtClean="0"/>
-              <a:t>1/12/2019</a:t>
+              <a:t>1/13/2019</a:t>
             </a:fld>
             <a:endParaRPr lang="en-US"/>
           </a:p>
@@ -878,7 +878,7 @@
           <a:p>
             <a:fld id="{B1C96317-C71C-4C07-AACE-1050673E5ABF}" type="datetimeFigureOut">
               <a:rPr lang="en-US" smtClean="0"/>
-              <a:t>1/12/2019</a:t>
+              <a:t>1/13/2019</a:t>
             </a:fld>
             <a:endParaRPr lang="en-US"/>
           </a:p>
@@ -1048,7 +1048,7 @@
           <a:p>
             <a:fld id="{B1C96317-C71C-4C07-AACE-1050673E5ABF}" type="datetimeFigureOut">
               <a:rPr lang="en-US" smtClean="0"/>
-              <a:t>1/12/2019</a:t>
+              <a:t>1/13/2019</a:t>
             </a:fld>
             <a:endParaRPr lang="en-US"/>
           </a:p>
@@ -1361,7 +1361,7 @@
           <a:p>
             <a:fld id="{B1C96317-C71C-4C07-AACE-1050673E5ABF}" type="datetimeFigureOut">
               <a:rPr lang="en-US" smtClean="0"/>
-              <a:t>1/12/2019</a:t>
+              <a:t>1/13/2019</a:t>
             </a:fld>
             <a:endParaRPr lang="en-US"/>
           </a:p>
@@ -1747,7 +1747,7 @@
           <a:p>
             <a:fld id="{B1C96317-C71C-4C07-AACE-1050673E5ABF}" type="datetimeFigureOut">
               <a:rPr lang="en-US" smtClean="0"/>
-              <a:t>1/12/2019</a:t>
+              <a:t>1/13/2019</a:t>
             </a:fld>
             <a:endParaRPr lang="en-US"/>
           </a:p>
@@ -2181,7 +2181,7 @@
           <a:p>
             <a:fld id="{B1C96317-C71C-4C07-AACE-1050673E5ABF}" type="datetimeFigureOut">
               <a:rPr lang="en-US" smtClean="0"/>
-              <a:t>1/12/2019</a:t>
+              <a:t>1/13/2019</a:t>
             </a:fld>
             <a:endParaRPr lang="en-US"/>
           </a:p>
@@ -2299,7 +2299,7 @@
           <a:p>
             <a:fld id="{B1C96317-C71C-4C07-AACE-1050673E5ABF}" type="datetimeFigureOut">
               <a:rPr lang="en-US" smtClean="0"/>
-              <a:t>1/12/2019</a:t>
+              <a:t>1/13/2019</a:t>
             </a:fld>
             <a:endParaRPr lang="en-US"/>
           </a:p>
@@ -2394,7 +2394,7 @@
           <a:p>
             <a:fld id="{B1C96317-C71C-4C07-AACE-1050673E5ABF}" type="datetimeFigureOut">
               <a:rPr lang="en-US" smtClean="0"/>
-              <a:t>1/12/2019</a:t>
+              <a:t>1/13/2019</a:t>
             </a:fld>
             <a:endParaRPr lang="en-US"/>
           </a:p>
@@ -2744,7 +2744,7 @@
           <a:p>
             <a:fld id="{B1C96317-C71C-4C07-AACE-1050673E5ABF}" type="datetimeFigureOut">
               <a:rPr lang="en-US" smtClean="0"/>
-              <a:t>1/12/2019</a:t>
+              <a:t>1/13/2019</a:t>
             </a:fld>
             <a:endParaRPr lang="en-US"/>
           </a:p>
@@ -3169,7 +3169,7 @@
           <a:p>
             <a:fld id="{B1C96317-C71C-4C07-AACE-1050673E5ABF}" type="datetimeFigureOut">
               <a:rPr lang="en-US" smtClean="0"/>
-              <a:t>1/12/2019</a:t>
+              <a:t>1/13/2019</a:t>
             </a:fld>
             <a:endParaRPr lang="en-US"/>
           </a:p>
@@ -3450,7 +3450,7 @@
           <a:p>
             <a:fld id="{B1C96317-C71C-4C07-AACE-1050673E5ABF}" type="datetimeFigureOut">
               <a:rPr lang="en-US" smtClean="0"/>
-              <a:t>1/12/2019</a:t>
+              <a:t>1/13/2019</a:t>
             </a:fld>
             <a:endParaRPr lang="en-US"/>
           </a:p>
@@ -4413,10 +4413,9 @@
               <a:buNone/>
             </a:pPr>
             <a:r>
-              <a:rPr lang="en-US" dirty="0" err="1"/>
-              <a:t>OBjective</a:t>
-            </a:r>
-            <a:endParaRPr lang="en-US" dirty="0"/>
+              <a:rPr lang="en-US" dirty="0"/>
+              <a:t>Objective</a:t>
+            </a:r>
           </a:p>
           <a:p>
             <a:r>
@@ -4977,7 +4976,10 @@
             <a:endParaRPr lang="en-US" dirty="0"/>
           </a:p>
           <a:p>
-            <a:endParaRPr lang="en-US" dirty="0"/>
+            <a:r>
+              <a:rPr lang="en-US" dirty="0"/>
+              <a:t>CO2 JSON - http://lasp.colorado.edu/lisird/latis/nrl2_tsi_P1M.json?time&gt;=1970-01-01T12:00&amp;format_time(yyyy-DD-mm)</a:t>
+            </a:r>
           </a:p>
         </p:txBody>
       </p:sp>
